--- a/Fertility Trends and Their Correlation with GDP per Capita.pptx
+++ b/Fertility Trends and Their Correlation with GDP per Capita.pptx
@@ -5,7 +5,7 @@
     <p:sldMasterId id="2147483809" r:id="rId1"/>
   </p:sldMasterIdLst>
   <p:notesMasterIdLst>
-    <p:notesMasterId r:id="rId26"/>
+    <p:notesMasterId r:id="rId27"/>
   </p:notesMasterIdLst>
   <p:sldIdLst>
     <p:sldId id="256" r:id="rId2"/>
@@ -17,21 +17,22 @@
     <p:sldId id="280" r:id="rId8"/>
     <p:sldId id="281" r:id="rId9"/>
     <p:sldId id="282" r:id="rId10"/>
-    <p:sldId id="267" r:id="rId11"/>
+    <p:sldId id="268" r:id="rId11"/>
     <p:sldId id="264" r:id="rId12"/>
     <p:sldId id="265" r:id="rId13"/>
     <p:sldId id="266" r:id="rId14"/>
-    <p:sldId id="286" r:id="rId15"/>
-    <p:sldId id="268" r:id="rId16"/>
-    <p:sldId id="284" r:id="rId17"/>
-    <p:sldId id="269" r:id="rId18"/>
-    <p:sldId id="290" r:id="rId19"/>
-    <p:sldId id="270" r:id="rId20"/>
-    <p:sldId id="289" r:id="rId21"/>
-    <p:sldId id="271" r:id="rId22"/>
-    <p:sldId id="273" r:id="rId23"/>
-    <p:sldId id="274" r:id="rId24"/>
-    <p:sldId id="285" r:id="rId25"/>
+    <p:sldId id="267" r:id="rId15"/>
+    <p:sldId id="286" r:id="rId16"/>
+    <p:sldId id="291" r:id="rId17"/>
+    <p:sldId id="284" r:id="rId18"/>
+    <p:sldId id="269" r:id="rId19"/>
+    <p:sldId id="290" r:id="rId20"/>
+    <p:sldId id="270" r:id="rId21"/>
+    <p:sldId id="289" r:id="rId22"/>
+    <p:sldId id="271" r:id="rId23"/>
+    <p:sldId id="273" r:id="rId24"/>
+    <p:sldId id="274" r:id="rId25"/>
+    <p:sldId id="285" r:id="rId26"/>
   </p:sldIdLst>
   <p:sldSz cx="12192000" cy="6858000"/>
   <p:notesSz cx="6858000" cy="9144000"/>
@@ -7766,13 +7767,56 @@
           <a:chExt cx="0" cy="0"/>
         </a:xfrm>
       </p:grpSpPr>
+      <p:sp>
+        <p:nvSpPr>
+          <p:cNvPr id="2" name="Title 1"/>
+          <p:cNvSpPr>
+            <a:spLocks noGrp="1"/>
+          </p:cNvSpPr>
+          <p:nvPr>
+            <p:ph type="title"/>
+          </p:nvPr>
+        </p:nvSpPr>
+        <p:spPr>
+          <a:xfrm>
+            <a:off x="655273" y="421289"/>
+            <a:ext cx="9465761" cy="1080939"/>
+          </a:xfrm>
+        </p:spPr>
+        <p:txBody>
+          <a:bodyPr>
+            <a:normAutofit fontScale="90000"/>
+          </a:bodyPr>
+          <a:lstStyle/>
+          <a:p>
+            <a:r>
+              <a:rPr lang="en-US" b="1" dirty="0" smtClean="0"/>
+              <a:t>Comparison </a:t>
+            </a:r>
+            <a:r>
+              <a:rPr lang="en-US" b="1" dirty="0"/>
+              <a:t>of Mean Fertility Rate Trends by Cluster</a:t>
+            </a:r>
+            <a:r>
+              <a:rPr lang="en-US" dirty="0"/>
+              <a:t/>
+            </a:r>
+            <a:br>
+              <a:rPr lang="en-US" dirty="0"/>
+            </a:br>
+            <a:endParaRPr lang="en-US" dirty="0"/>
+          </a:p>
+        </p:txBody>
+      </p:sp>
       <p:pic>
         <p:nvPicPr>
-          <p:cNvPr id="2" name="Picture 1"/>
+          <p:cNvPr id="4" name="Content Placeholder 3"/>
           <p:cNvPicPr>
-            <a:picLocks noChangeAspect="1"/>
+            <a:picLocks noGrp="1" noChangeAspect="1"/>
           </p:cNvPicPr>
-          <p:nvPr/>
+          <p:nvPr>
+            <p:ph idx="1"/>
+          </p:nvPr>
         </p:nvPicPr>
         <p:blipFill>
           <a:blip r:embed="rId2">
@@ -7788,12 +7832,9 @@
         </p:blipFill>
         <p:spPr>
           <a:xfrm>
-            <a:off x="488515" y="1286153"/>
-            <a:ext cx="5504088" cy="3034392"/>
+            <a:off x="2018078" y="1770801"/>
+            <a:ext cx="8778074" cy="4379479"/>
           </a:xfrm>
-          <a:prstGeom prst="rect">
-            <a:avLst/>
-          </a:prstGeom>
         </p:spPr>
       </p:pic>
       <p:sp>
@@ -7821,7 +7862,7 @@
       </p:sp>
       <p:pic>
         <p:nvPicPr>
-          <p:cNvPr id="4" name="Picture 3"/>
+          <p:cNvPr id="5" name="Picture 4"/>
           <p:cNvPicPr>
             <a:picLocks noChangeAspect="1"/>
           </p:cNvPicPr>
@@ -7849,150 +7890,10 @@
           </a:prstGeom>
         </p:spPr>
       </p:pic>
-      <p:pic>
-        <p:nvPicPr>
-          <p:cNvPr id="5" name="Picture 4"/>
-          <p:cNvPicPr>
-            <a:picLocks noChangeAspect="1"/>
-          </p:cNvPicPr>
-          <p:nvPr/>
-        </p:nvPicPr>
-        <p:blipFill>
-          <a:blip r:embed="rId4">
-            <a:extLst>
-              <a:ext uri="{28A0092B-C50C-407E-A947-70E740481C1C}">
-                <a14:useLocalDpi xmlns:a14="http://schemas.microsoft.com/office/drawing/2010/main" val="0"/>
-              </a:ext>
-            </a:extLst>
-          </a:blip>
-          <a:stretch>
-            <a:fillRect/>
-          </a:stretch>
-        </p:blipFill>
-        <p:spPr>
-          <a:xfrm>
-            <a:off x="6352299" y="1286153"/>
-            <a:ext cx="5107752" cy="3034392"/>
-          </a:xfrm>
-          <a:prstGeom prst="rect">
-            <a:avLst/>
-          </a:prstGeom>
-        </p:spPr>
-      </p:pic>
-      <p:sp>
-        <p:nvSpPr>
-          <p:cNvPr id="6" name="TextBox 5"/>
-          <p:cNvSpPr txBox="1"/>
-          <p:nvPr/>
-        </p:nvSpPr>
-        <p:spPr>
-          <a:xfrm>
-            <a:off x="263047" y="4377846"/>
-            <a:ext cx="10695963" cy="1477328"/>
-          </a:xfrm>
-          <a:prstGeom prst="rect">
-            <a:avLst/>
-          </a:prstGeom>
-          <a:noFill/>
-        </p:spPr>
-        <p:txBody>
-          <a:bodyPr wrap="square" rtlCol="0">
-            <a:spAutoFit/>
-          </a:bodyPr>
-          <a:lstStyle/>
-          <a:p>
-            <a:r>
-              <a:rPr lang="en-US" dirty="0"/>
-              <a:t>The Silhouette Score of 0.49 indicates the quality and appropriateness of the clusters formed through the K-means clustering analysis. A score close to 1 signifies well-separated and distinct clusters, while a score near 0 suggests overlapping clusters. In this context, a score of 0.49 suggests that the clusters have a moderate level of separation, indicating a reasonable grouping of data points based on their </a:t>
-            </a:r>
-            <a:r>
-              <a:rPr lang="en-US" dirty="0" smtClean="0"/>
-              <a:t>characteristics.</a:t>
-            </a:r>
-            <a:endParaRPr lang="en-US" dirty="0"/>
-          </a:p>
-        </p:txBody>
-      </p:sp>
-      <p:sp>
-        <p:nvSpPr>
-          <p:cNvPr id="7" name="TextBox 6"/>
-          <p:cNvSpPr txBox="1"/>
-          <p:nvPr/>
-        </p:nvSpPr>
-        <p:spPr>
-          <a:xfrm>
-            <a:off x="7421671" y="1928074"/>
-            <a:ext cx="1872641" cy="646331"/>
-          </a:xfrm>
-          <a:prstGeom prst="rect">
-            <a:avLst/>
-          </a:prstGeom>
-          <a:noFill/>
-        </p:spPr>
-        <p:txBody>
-          <a:bodyPr wrap="square" rtlCol="0">
-            <a:spAutoFit/>
-          </a:bodyPr>
-          <a:lstStyle/>
-          <a:p>
-            <a:r>
-              <a:rPr lang="en-US" dirty="0" smtClean="0">
-                <a:solidFill>
-                  <a:schemeClr val="bg1"/>
-                </a:solidFill>
-              </a:rPr>
-              <a:t>Silhouette Score: 0.49</a:t>
-            </a:r>
-            <a:endParaRPr lang="en-US" dirty="0">
-              <a:solidFill>
-                <a:schemeClr val="bg1"/>
-              </a:solidFill>
-            </a:endParaRPr>
-          </a:p>
-        </p:txBody>
-      </p:sp>
-      <p:sp>
-        <p:nvSpPr>
-          <p:cNvPr id="9" name="TextBox 8"/>
-          <p:cNvSpPr txBox="1"/>
-          <p:nvPr/>
-        </p:nvSpPr>
-        <p:spPr>
-          <a:xfrm>
-            <a:off x="1455107" y="2002186"/>
-            <a:ext cx="1782871" cy="646331"/>
-          </a:xfrm>
-          <a:prstGeom prst="rect">
-            <a:avLst/>
-          </a:prstGeom>
-          <a:noFill/>
-        </p:spPr>
-        <p:txBody>
-          <a:bodyPr wrap="square" rtlCol="0">
-            <a:spAutoFit/>
-          </a:bodyPr>
-          <a:lstStyle/>
-          <a:p>
-            <a:r>
-              <a:rPr lang="en-US" dirty="0" smtClean="0">
-                <a:solidFill>
-                  <a:schemeClr val="bg1"/>
-                </a:solidFill>
-              </a:rPr>
-              <a:t>Silhouette Score: 0.3</a:t>
-            </a:r>
-            <a:endParaRPr lang="en-US" dirty="0">
-              <a:solidFill>
-                <a:schemeClr val="bg1"/>
-              </a:solidFill>
-            </a:endParaRPr>
-          </a:p>
-        </p:txBody>
-      </p:sp>
     </p:spTree>
     <p:extLst>
       <p:ext uri="{BB962C8B-B14F-4D97-AF65-F5344CB8AC3E}">
-        <p14:creationId xmlns:p14="http://schemas.microsoft.com/office/powerpoint/2010/main" val="3972403776"/>
+        <p14:creationId xmlns:p14="http://schemas.microsoft.com/office/powerpoint/2010/main" val="1584930329"/>
       </p:ext>
     </p:extLst>
   </p:cSld>
@@ -9451,13 +9352,13 @@
           <p:nvPr>
             <p:extLst>
               <p:ext uri="{D42A27DB-BD31-4B8C-83A1-F6EECF244321}">
-                <p14:modId xmlns:p14="http://schemas.microsoft.com/office/powerpoint/2010/main" val="1119003179"/>
+                <p14:modId xmlns:p14="http://schemas.microsoft.com/office/powerpoint/2010/main" val="790727220"/>
               </p:ext>
             </p:extLst>
           </p:nvPr>
         </p:nvGraphicFramePr>
         <p:xfrm>
-          <a:off x="964509" y="719667"/>
+          <a:off x="137793" y="719667"/>
           <a:ext cx="10389296" cy="5852160"/>
         </p:xfrm>
         <a:graphic>
@@ -11269,6 +11170,274 @@
           <a:chExt cx="0" cy="0"/>
         </a:xfrm>
       </p:grpSpPr>
+      <p:pic>
+        <p:nvPicPr>
+          <p:cNvPr id="2" name="Picture 1"/>
+          <p:cNvPicPr>
+            <a:picLocks noChangeAspect="1"/>
+          </p:cNvPicPr>
+          <p:nvPr/>
+        </p:nvPicPr>
+        <p:blipFill>
+          <a:blip r:embed="rId2">
+            <a:extLst>
+              <a:ext uri="{28A0092B-C50C-407E-A947-70E740481C1C}">
+                <a14:useLocalDpi xmlns:a14="http://schemas.microsoft.com/office/drawing/2010/main" val="0"/>
+              </a:ext>
+            </a:extLst>
+          </a:blip>
+          <a:stretch>
+            <a:fillRect/>
+          </a:stretch>
+        </p:blipFill>
+        <p:spPr>
+          <a:xfrm>
+            <a:off x="488515" y="1286153"/>
+            <a:ext cx="5504088" cy="3034392"/>
+          </a:xfrm>
+          <a:prstGeom prst="rect">
+            <a:avLst/>
+          </a:prstGeom>
+        </p:spPr>
+      </p:pic>
+      <p:sp>
+        <p:nvSpPr>
+          <p:cNvPr id="3" name="Slide Number Placeholder 2"/>
+          <p:cNvSpPr>
+            <a:spLocks noGrp="1"/>
+          </p:cNvSpPr>
+          <p:nvPr>
+            <p:ph type="sldNum" sz="quarter" idx="12"/>
+          </p:nvPr>
+        </p:nvSpPr>
+        <p:spPr/>
+        <p:txBody>
+          <a:bodyPr/>
+          <a:lstStyle/>
+          <a:p>
+            <a:fld id="{317D4C0B-649F-4198-9367-995A719678E0}" type="slidenum">
+              <a:rPr lang="en-US" smtClean="0"/>
+              <a:t>14</a:t>
+            </a:fld>
+            <a:endParaRPr lang="en-US"/>
+          </a:p>
+        </p:txBody>
+      </p:sp>
+      <p:pic>
+        <p:nvPicPr>
+          <p:cNvPr id="4" name="Picture 3"/>
+          <p:cNvPicPr>
+            <a:picLocks noChangeAspect="1"/>
+          </p:cNvPicPr>
+          <p:nvPr/>
+        </p:nvPicPr>
+        <p:blipFill>
+          <a:blip r:embed="rId3" cstate="print">
+            <a:extLst>
+              <a:ext uri="{28A0092B-C50C-407E-A947-70E740481C1C}">
+                <a14:useLocalDpi xmlns:a14="http://schemas.microsoft.com/office/drawing/2010/main" val="0"/>
+              </a:ext>
+            </a:extLst>
+          </a:blip>
+          <a:stretch>
+            <a:fillRect/>
+          </a:stretch>
+        </p:blipFill>
+        <p:spPr>
+          <a:xfrm>
+            <a:off x="11079276" y="3"/>
+            <a:ext cx="1112729" cy="1146132"/>
+          </a:xfrm>
+          <a:prstGeom prst="rect">
+            <a:avLst/>
+          </a:prstGeom>
+        </p:spPr>
+      </p:pic>
+      <p:pic>
+        <p:nvPicPr>
+          <p:cNvPr id="5" name="Picture 4"/>
+          <p:cNvPicPr>
+            <a:picLocks noChangeAspect="1"/>
+          </p:cNvPicPr>
+          <p:nvPr/>
+        </p:nvPicPr>
+        <p:blipFill>
+          <a:blip r:embed="rId4">
+            <a:extLst>
+              <a:ext uri="{28A0092B-C50C-407E-A947-70E740481C1C}">
+                <a14:useLocalDpi xmlns:a14="http://schemas.microsoft.com/office/drawing/2010/main" val="0"/>
+              </a:ext>
+            </a:extLst>
+          </a:blip>
+          <a:stretch>
+            <a:fillRect/>
+          </a:stretch>
+        </p:blipFill>
+        <p:spPr>
+          <a:xfrm>
+            <a:off x="6352299" y="1286153"/>
+            <a:ext cx="5107752" cy="3034392"/>
+          </a:xfrm>
+          <a:prstGeom prst="rect">
+            <a:avLst/>
+          </a:prstGeom>
+        </p:spPr>
+      </p:pic>
+      <p:sp>
+        <p:nvSpPr>
+          <p:cNvPr id="6" name="TextBox 5"/>
+          <p:cNvSpPr txBox="1"/>
+          <p:nvPr/>
+        </p:nvSpPr>
+        <p:spPr>
+          <a:xfrm>
+            <a:off x="263047" y="4377846"/>
+            <a:ext cx="10695963" cy="1477328"/>
+          </a:xfrm>
+          <a:prstGeom prst="rect">
+            <a:avLst/>
+          </a:prstGeom>
+          <a:noFill/>
+        </p:spPr>
+        <p:txBody>
+          <a:bodyPr wrap="square" rtlCol="0">
+            <a:spAutoFit/>
+          </a:bodyPr>
+          <a:lstStyle/>
+          <a:p>
+            <a:r>
+              <a:rPr lang="en-US" dirty="0"/>
+              <a:t>The Silhouette Score of 0.49 indicates the quality and appropriateness of the clusters formed through the K-means clustering analysis. A score close to 1 signifies well-separated and distinct clusters, while a score near 0 suggests overlapping clusters. In this context, a score of 0.49 suggests that the clusters have a moderate level of separation, indicating a reasonable grouping of data points based on their </a:t>
+            </a:r>
+            <a:r>
+              <a:rPr lang="en-US" dirty="0" smtClean="0"/>
+              <a:t>characteristics.</a:t>
+            </a:r>
+            <a:endParaRPr lang="en-US" dirty="0"/>
+          </a:p>
+        </p:txBody>
+      </p:sp>
+      <p:sp>
+        <p:nvSpPr>
+          <p:cNvPr id="7" name="TextBox 6"/>
+          <p:cNvSpPr txBox="1"/>
+          <p:nvPr/>
+        </p:nvSpPr>
+        <p:spPr>
+          <a:xfrm>
+            <a:off x="7421671" y="1928074"/>
+            <a:ext cx="1872641" cy="646331"/>
+          </a:xfrm>
+          <a:prstGeom prst="rect">
+            <a:avLst/>
+          </a:prstGeom>
+          <a:noFill/>
+        </p:spPr>
+        <p:txBody>
+          <a:bodyPr wrap="square" rtlCol="0">
+            <a:spAutoFit/>
+          </a:bodyPr>
+          <a:lstStyle/>
+          <a:p>
+            <a:r>
+              <a:rPr lang="en-US" dirty="0" smtClean="0">
+                <a:solidFill>
+                  <a:schemeClr val="bg1"/>
+                </a:solidFill>
+              </a:rPr>
+              <a:t>Silhouette Score: 0.49</a:t>
+            </a:r>
+            <a:endParaRPr lang="en-US" dirty="0">
+              <a:solidFill>
+                <a:schemeClr val="bg1"/>
+              </a:solidFill>
+            </a:endParaRPr>
+          </a:p>
+        </p:txBody>
+      </p:sp>
+      <p:sp>
+        <p:nvSpPr>
+          <p:cNvPr id="9" name="TextBox 8"/>
+          <p:cNvSpPr txBox="1"/>
+          <p:nvPr/>
+        </p:nvSpPr>
+        <p:spPr>
+          <a:xfrm>
+            <a:off x="1455107" y="2002186"/>
+            <a:ext cx="1782871" cy="646331"/>
+          </a:xfrm>
+          <a:prstGeom prst="rect">
+            <a:avLst/>
+          </a:prstGeom>
+          <a:noFill/>
+        </p:spPr>
+        <p:txBody>
+          <a:bodyPr wrap="square" rtlCol="0">
+            <a:spAutoFit/>
+          </a:bodyPr>
+          <a:lstStyle/>
+          <a:p>
+            <a:r>
+              <a:rPr lang="en-US" dirty="0" smtClean="0">
+                <a:solidFill>
+                  <a:schemeClr val="bg1"/>
+                </a:solidFill>
+              </a:rPr>
+              <a:t>Silhouette Score: 0.3</a:t>
+            </a:r>
+            <a:endParaRPr lang="en-US" dirty="0">
+              <a:solidFill>
+                <a:schemeClr val="bg1"/>
+              </a:solidFill>
+            </a:endParaRPr>
+          </a:p>
+        </p:txBody>
+      </p:sp>
+    </p:spTree>
+    <p:extLst>
+      <p:ext uri="{BB962C8B-B14F-4D97-AF65-F5344CB8AC3E}">
+        <p14:creationId xmlns:p14="http://schemas.microsoft.com/office/powerpoint/2010/main" val="3972403776"/>
+      </p:ext>
+    </p:extLst>
+  </p:cSld>
+  <p:clrMapOvr>
+    <a:masterClrMapping/>
+  </p:clrMapOvr>
+  <mc:AlternateContent xmlns:mc="http://schemas.openxmlformats.org/markup-compatibility/2006" xmlns:p14="http://schemas.microsoft.com/office/powerpoint/2010/main">
+    <mc:Choice Requires="p14">
+      <p:transition spd="slow" p14:dur="2000"/>
+    </mc:Choice>
+    <mc:Fallback xmlns="">
+      <p:transition spd="slow"/>
+    </mc:Fallback>
+  </mc:AlternateContent>
+  <p:timing>
+    <p:tnLst>
+      <p:par>
+        <p:cTn id="1" dur="indefinite" restart="never" nodeType="tmRoot"/>
+      </p:par>
+    </p:tnLst>
+  </p:timing>
+</p:sld>
+</file>
+
+<file path=ppt/slides/slide15.xml><?xml version="1.0" encoding="utf-8"?>
+<p:sld xmlns:a="http://schemas.openxmlformats.org/drawingml/2006/main" xmlns:r="http://schemas.openxmlformats.org/officeDocument/2006/relationships" xmlns:p="http://schemas.openxmlformats.org/presentationml/2006/main">
+  <p:cSld>
+    <p:spTree>
+      <p:nvGrpSpPr>
+        <p:cNvPr id="1" name=""/>
+        <p:cNvGrpSpPr/>
+        <p:nvPr/>
+      </p:nvGrpSpPr>
+      <p:grpSpPr>
+        <a:xfrm>
+          <a:off x="0" y="0"/>
+          <a:ext cx="0" cy="0"/>
+          <a:chOff x="0" y="0"/>
+          <a:chExt cx="0" cy="0"/>
+        </a:xfrm>
+      </p:grpSpPr>
       <p:sp>
         <p:nvSpPr>
           <p:cNvPr id="2" name="Slide Number Placeholder 1"/>
@@ -11286,7 +11455,7 @@
           <a:p>
             <a:fld id="{317D4C0B-649F-4198-9367-995A719678E0}" type="slidenum">
               <a:rPr lang="en-US" smtClean="0"/>
-              <a:t>14</a:t>
+              <a:t>15</a:t>
             </a:fld>
             <a:endParaRPr lang="en-US"/>
           </a:p>
@@ -11470,170 +11639,6 @@
 </p:sld>
 </file>
 
-<file path=ppt/slides/slide15.xml><?xml version="1.0" encoding="utf-8"?>
-<p:sld xmlns:a="http://schemas.openxmlformats.org/drawingml/2006/main" xmlns:r="http://schemas.openxmlformats.org/officeDocument/2006/relationships" xmlns:p="http://schemas.openxmlformats.org/presentationml/2006/main">
-  <p:cSld>
-    <p:spTree>
-      <p:nvGrpSpPr>
-        <p:cNvPr id="1" name=""/>
-        <p:cNvGrpSpPr/>
-        <p:nvPr/>
-      </p:nvGrpSpPr>
-      <p:grpSpPr>
-        <a:xfrm>
-          <a:off x="0" y="0"/>
-          <a:ext cx="0" cy="0"/>
-          <a:chOff x="0" y="0"/>
-          <a:chExt cx="0" cy="0"/>
-        </a:xfrm>
-      </p:grpSpPr>
-      <p:sp>
-        <p:nvSpPr>
-          <p:cNvPr id="2" name="Title 1"/>
-          <p:cNvSpPr>
-            <a:spLocks noGrp="1"/>
-          </p:cNvSpPr>
-          <p:nvPr>
-            <p:ph type="title"/>
-          </p:nvPr>
-        </p:nvSpPr>
-        <p:spPr>
-          <a:xfrm>
-            <a:off x="655273" y="421289"/>
-            <a:ext cx="9465761" cy="1080939"/>
-          </a:xfrm>
-        </p:spPr>
-        <p:txBody>
-          <a:bodyPr>
-            <a:normAutofit fontScale="90000"/>
-          </a:bodyPr>
-          <a:lstStyle/>
-          <a:p>
-            <a:r>
-              <a:rPr lang="en-US" b="1" dirty="0"/>
-              <a:t>Chart: Comparison of Mean Fertility Rate Trends by Cluster</a:t>
-            </a:r>
-            <a:r>
-              <a:rPr lang="en-US" dirty="0"/>
-              <a:t/>
-            </a:r>
-            <a:br>
-              <a:rPr lang="en-US" dirty="0"/>
-            </a:br>
-            <a:endParaRPr lang="en-US" dirty="0"/>
-          </a:p>
-        </p:txBody>
-      </p:sp>
-      <p:pic>
-        <p:nvPicPr>
-          <p:cNvPr id="4" name="Content Placeholder 3"/>
-          <p:cNvPicPr>
-            <a:picLocks noGrp="1" noChangeAspect="1"/>
-          </p:cNvPicPr>
-          <p:nvPr>
-            <p:ph idx="1"/>
-          </p:nvPr>
-        </p:nvPicPr>
-        <p:blipFill>
-          <a:blip r:embed="rId2">
-            <a:extLst>
-              <a:ext uri="{28A0092B-C50C-407E-A947-70E740481C1C}">
-                <a14:useLocalDpi xmlns:a14="http://schemas.microsoft.com/office/drawing/2010/main" val="0"/>
-              </a:ext>
-            </a:extLst>
-          </a:blip>
-          <a:stretch>
-            <a:fillRect/>
-          </a:stretch>
-        </p:blipFill>
-        <p:spPr>
-          <a:xfrm>
-            <a:off x="2018078" y="1770801"/>
-            <a:ext cx="8778074" cy="4379479"/>
-          </a:xfrm>
-        </p:spPr>
-      </p:pic>
-      <p:sp>
-        <p:nvSpPr>
-          <p:cNvPr id="3" name="Slide Number Placeholder 2"/>
-          <p:cNvSpPr>
-            <a:spLocks noGrp="1"/>
-          </p:cNvSpPr>
-          <p:nvPr>
-            <p:ph type="sldNum" sz="quarter" idx="12"/>
-          </p:nvPr>
-        </p:nvSpPr>
-        <p:spPr/>
-        <p:txBody>
-          <a:bodyPr/>
-          <a:lstStyle/>
-          <a:p>
-            <a:fld id="{317D4C0B-649F-4198-9367-995A719678E0}" type="slidenum">
-              <a:rPr lang="en-US" smtClean="0"/>
-              <a:t>15</a:t>
-            </a:fld>
-            <a:endParaRPr lang="en-US"/>
-          </a:p>
-        </p:txBody>
-      </p:sp>
-      <p:pic>
-        <p:nvPicPr>
-          <p:cNvPr id="5" name="Picture 4"/>
-          <p:cNvPicPr>
-            <a:picLocks noChangeAspect="1"/>
-          </p:cNvPicPr>
-          <p:nvPr/>
-        </p:nvPicPr>
-        <p:blipFill>
-          <a:blip r:embed="rId3" cstate="print">
-            <a:extLst>
-              <a:ext uri="{28A0092B-C50C-407E-A947-70E740481C1C}">
-                <a14:useLocalDpi xmlns:a14="http://schemas.microsoft.com/office/drawing/2010/main" val="0"/>
-              </a:ext>
-            </a:extLst>
-          </a:blip>
-          <a:stretch>
-            <a:fillRect/>
-          </a:stretch>
-        </p:blipFill>
-        <p:spPr>
-          <a:xfrm>
-            <a:off x="11079276" y="3"/>
-            <a:ext cx="1112729" cy="1146132"/>
-          </a:xfrm>
-          <a:prstGeom prst="rect">
-            <a:avLst/>
-          </a:prstGeom>
-        </p:spPr>
-      </p:pic>
-    </p:spTree>
-    <p:extLst>
-      <p:ext uri="{BB962C8B-B14F-4D97-AF65-F5344CB8AC3E}">
-        <p14:creationId xmlns:p14="http://schemas.microsoft.com/office/powerpoint/2010/main" val="1584930329"/>
-      </p:ext>
-    </p:extLst>
-  </p:cSld>
-  <p:clrMapOvr>
-    <a:masterClrMapping/>
-  </p:clrMapOvr>
-  <mc:AlternateContent xmlns:mc="http://schemas.openxmlformats.org/markup-compatibility/2006" xmlns:p14="http://schemas.microsoft.com/office/powerpoint/2010/main">
-    <mc:Choice Requires="p14">
-      <p:transition spd="slow" p14:dur="2000"/>
-    </mc:Choice>
-    <mc:Fallback xmlns="">
-      <p:transition spd="slow"/>
-    </mc:Fallback>
-  </mc:AlternateContent>
-  <p:timing>
-    <p:tnLst>
-      <p:par>
-        <p:cTn id="1" dur="indefinite" restart="never" nodeType="tmRoot"/>
-      </p:par>
-    </p:tnLst>
-  </p:timing>
-</p:sld>
-</file>
-
 <file path=ppt/slides/slide16.xml><?xml version="1.0" encoding="utf-8"?>
 <p:sld xmlns:a="http://schemas.openxmlformats.org/drawingml/2006/main" xmlns:r="http://schemas.openxmlformats.org/officeDocument/2006/relationships" xmlns:p="http://schemas.openxmlformats.org/presentationml/2006/main">
   <p:cSld>
@@ -11669,6 +11674,156 @@
             <a:fld id="{317D4C0B-649F-4198-9367-995A719678E0}" type="slidenum">
               <a:rPr lang="en-US" smtClean="0"/>
               <a:t>16</a:t>
+            </a:fld>
+            <a:endParaRPr lang="en-US"/>
+          </a:p>
+        </p:txBody>
+      </p:sp>
+      <p:pic>
+        <p:nvPicPr>
+          <p:cNvPr id="3" name="Picture 2"/>
+          <p:cNvPicPr>
+            <a:picLocks noChangeAspect="1"/>
+          </p:cNvPicPr>
+          <p:nvPr/>
+        </p:nvPicPr>
+        <p:blipFill>
+          <a:blip r:embed="rId2" cstate="print">
+            <a:extLst>
+              <a:ext uri="{28A0092B-C50C-407E-A947-70E740481C1C}">
+                <a14:useLocalDpi xmlns:a14="http://schemas.microsoft.com/office/drawing/2010/main" val="0"/>
+              </a:ext>
+            </a:extLst>
+          </a:blip>
+          <a:stretch>
+            <a:fillRect/>
+          </a:stretch>
+        </p:blipFill>
+        <p:spPr>
+          <a:xfrm>
+            <a:off x="1222592" y="132699"/>
+            <a:ext cx="9258300" cy="2571750"/>
+          </a:xfrm>
+          <a:prstGeom prst="rect">
+            <a:avLst/>
+          </a:prstGeom>
+        </p:spPr>
+      </p:pic>
+      <p:pic>
+        <p:nvPicPr>
+          <p:cNvPr id="5" name="Picture 4"/>
+          <p:cNvPicPr>
+            <a:picLocks noChangeAspect="1"/>
+          </p:cNvPicPr>
+          <p:nvPr/>
+        </p:nvPicPr>
+        <p:blipFill>
+          <a:blip r:embed="rId3" cstate="print">
+            <a:extLst>
+              <a:ext uri="{28A0092B-C50C-407E-A947-70E740481C1C}">
+                <a14:useLocalDpi xmlns:a14="http://schemas.microsoft.com/office/drawing/2010/main" val="0"/>
+              </a:ext>
+            </a:extLst>
+          </a:blip>
+          <a:stretch>
+            <a:fillRect/>
+          </a:stretch>
+        </p:blipFill>
+        <p:spPr>
+          <a:xfrm>
+            <a:off x="11079276" y="3"/>
+            <a:ext cx="1112729" cy="1146132"/>
+          </a:xfrm>
+          <a:prstGeom prst="rect">
+            <a:avLst/>
+          </a:prstGeom>
+        </p:spPr>
+      </p:pic>
+      <p:pic>
+        <p:nvPicPr>
+          <p:cNvPr id="6" name="Picture 5"/>
+          <p:cNvPicPr>
+            <a:picLocks noChangeAspect="1"/>
+          </p:cNvPicPr>
+          <p:nvPr/>
+        </p:nvPicPr>
+        <p:blipFill>
+          <a:blip r:embed="rId4" cstate="print">
+            <a:extLst>
+              <a:ext uri="{28A0092B-C50C-407E-A947-70E740481C1C}">
+                <a14:useLocalDpi xmlns:a14="http://schemas.microsoft.com/office/drawing/2010/main" val="0"/>
+              </a:ext>
+            </a:extLst>
+          </a:blip>
+          <a:stretch>
+            <a:fillRect/>
+          </a:stretch>
+        </p:blipFill>
+        <p:spPr>
+          <a:xfrm>
+            <a:off x="1222592" y="2782082"/>
+            <a:ext cx="9258300" cy="3924300"/>
+          </a:xfrm>
+          <a:prstGeom prst="rect">
+            <a:avLst/>
+          </a:prstGeom>
+        </p:spPr>
+      </p:pic>
+    </p:spTree>
+    <p:extLst>
+      <p:ext uri="{BB962C8B-B14F-4D97-AF65-F5344CB8AC3E}">
+        <p14:creationId xmlns:p14="http://schemas.microsoft.com/office/powerpoint/2010/main" val="1897417090"/>
+      </p:ext>
+    </p:extLst>
+  </p:cSld>
+  <p:clrMapOvr>
+    <a:masterClrMapping/>
+  </p:clrMapOvr>
+  <p:timing>
+    <p:tnLst>
+      <p:par>
+        <p:cTn id="1" dur="indefinite" restart="never" nodeType="tmRoot"/>
+      </p:par>
+    </p:tnLst>
+  </p:timing>
+</p:sld>
+</file>
+
+<file path=ppt/slides/slide17.xml><?xml version="1.0" encoding="utf-8"?>
+<p:sld xmlns:a="http://schemas.openxmlformats.org/drawingml/2006/main" xmlns:r="http://schemas.openxmlformats.org/officeDocument/2006/relationships" xmlns:p="http://schemas.openxmlformats.org/presentationml/2006/main">
+  <p:cSld>
+    <p:spTree>
+      <p:nvGrpSpPr>
+        <p:cNvPr id="1" name=""/>
+        <p:cNvGrpSpPr/>
+        <p:nvPr/>
+      </p:nvGrpSpPr>
+      <p:grpSpPr>
+        <a:xfrm>
+          <a:off x="0" y="0"/>
+          <a:ext cx="0" cy="0"/>
+          <a:chOff x="0" y="0"/>
+          <a:chExt cx="0" cy="0"/>
+        </a:xfrm>
+      </p:grpSpPr>
+      <p:sp>
+        <p:nvSpPr>
+          <p:cNvPr id="2" name="Slide Number Placeholder 1"/>
+          <p:cNvSpPr>
+            <a:spLocks noGrp="1"/>
+          </p:cNvSpPr>
+          <p:nvPr>
+            <p:ph type="sldNum" sz="quarter" idx="12"/>
+          </p:nvPr>
+        </p:nvSpPr>
+        <p:spPr/>
+        <p:txBody>
+          <a:bodyPr/>
+          <a:lstStyle/>
+          <a:p>
+            <a:fld id="{317D4C0B-649F-4198-9367-995A719678E0}" type="slidenum">
+              <a:rPr lang="en-US" smtClean="0"/>
+              <a:t>17</a:t>
             </a:fld>
             <a:endParaRPr lang="en-US"/>
           </a:p>
@@ -11762,7 +11917,7 @@
 </p:sld>
 </file>
 
-<file path=ppt/slides/slide17.xml><?xml version="1.0" encoding="utf-8"?>
+<file path=ppt/slides/slide18.xml><?xml version="1.0" encoding="utf-8"?>
 <p:sld xmlns:a="http://schemas.openxmlformats.org/drawingml/2006/main" xmlns:r="http://schemas.openxmlformats.org/officeDocument/2006/relationships" xmlns:p="http://schemas.openxmlformats.org/presentationml/2006/main">
   <p:cSld>
     <p:spTree>
@@ -11866,7 +12021,7 @@
           <a:p>
             <a:fld id="{317D4C0B-649F-4198-9367-995A719678E0}" type="slidenum">
               <a:rPr lang="en-US" smtClean="0"/>
-              <a:t>17</a:t>
+              <a:t>18</a:t>
             </a:fld>
             <a:endParaRPr lang="en-US"/>
           </a:p>
@@ -11930,7 +12085,7 @@
 </p:sld>
 </file>
 
-<file path=ppt/slides/slide18.xml><?xml version="1.0" encoding="utf-8"?>
+<file path=ppt/slides/slide19.xml><?xml version="1.0" encoding="utf-8"?>
 <p:sld xmlns:a="http://schemas.openxmlformats.org/drawingml/2006/main" xmlns:r="http://schemas.openxmlformats.org/officeDocument/2006/relationships" xmlns:p="http://schemas.openxmlformats.org/presentationml/2006/main">
   <p:cSld>
     <p:spTree>
@@ -11964,7 +12119,7 @@
           <a:p>
             <a:fld id="{317D4C0B-649F-4198-9367-995A719678E0}" type="slidenum">
               <a:rPr lang="en-US" smtClean="0"/>
-              <a:t>18</a:t>
+              <a:t>19</a:t>
             </a:fld>
             <a:endParaRPr lang="en-US"/>
           </a:p>
@@ -13044,167 +13199,6 @@
     <p:extLst>
       <p:ext uri="{BB962C8B-B14F-4D97-AF65-F5344CB8AC3E}">
         <p14:creationId xmlns:p14="http://schemas.microsoft.com/office/powerpoint/2010/main" val="3349262047"/>
-      </p:ext>
-    </p:extLst>
-  </p:cSld>
-  <p:clrMapOvr>
-    <a:masterClrMapping/>
-  </p:clrMapOvr>
-  <mc:AlternateContent xmlns:mc="http://schemas.openxmlformats.org/markup-compatibility/2006" xmlns:p14="http://schemas.microsoft.com/office/powerpoint/2010/main">
-    <mc:Choice Requires="p14">
-      <p:transition spd="slow" p14:dur="2000"/>
-    </mc:Choice>
-    <mc:Fallback xmlns="">
-      <p:transition spd="slow"/>
-    </mc:Fallback>
-  </mc:AlternateContent>
-  <p:timing>
-    <p:tnLst>
-      <p:par>
-        <p:cTn id="1" dur="indefinite" restart="never" nodeType="tmRoot"/>
-      </p:par>
-    </p:tnLst>
-  </p:timing>
-</p:sld>
-</file>
-
-<file path=ppt/slides/slide19.xml><?xml version="1.0" encoding="utf-8"?>
-<p:sld xmlns:a="http://schemas.openxmlformats.org/drawingml/2006/main" xmlns:r="http://schemas.openxmlformats.org/officeDocument/2006/relationships" xmlns:p="http://schemas.openxmlformats.org/presentationml/2006/main">
-  <p:cSld>
-    <p:spTree>
-      <p:nvGrpSpPr>
-        <p:cNvPr id="1" name=""/>
-        <p:cNvGrpSpPr/>
-        <p:nvPr/>
-      </p:nvGrpSpPr>
-      <p:grpSpPr>
-        <a:xfrm>
-          <a:off x="0" y="0"/>
-          <a:ext cx="0" cy="0"/>
-          <a:chOff x="0" y="0"/>
-          <a:chExt cx="0" cy="0"/>
-        </a:xfrm>
-      </p:grpSpPr>
-      <p:sp>
-        <p:nvSpPr>
-          <p:cNvPr id="2" name="Title 1"/>
-          <p:cNvSpPr>
-            <a:spLocks noGrp="1"/>
-          </p:cNvSpPr>
-          <p:nvPr>
-            <p:ph type="title"/>
-          </p:nvPr>
-        </p:nvSpPr>
-        <p:spPr>
-          <a:xfrm>
-            <a:off x="838205" y="365125"/>
-            <a:ext cx="3996847" cy="2741331"/>
-          </a:xfrm>
-        </p:spPr>
-        <p:txBody>
-          <a:bodyPr>
-            <a:normAutofit/>
-          </a:bodyPr>
-          <a:lstStyle/>
-          <a:p>
-            <a:r>
-              <a:rPr lang="en-US" b="1" dirty="0" smtClean="0"/>
-              <a:t>Countries </a:t>
-            </a:r>
-            <a:r>
-              <a:rPr lang="en-US" b="1" dirty="0"/>
-              <a:t>Sorted by Mean Fertility Rate</a:t>
-            </a:r>
-            <a:endParaRPr lang="en-US" dirty="0"/>
-          </a:p>
-        </p:txBody>
-      </p:sp>
-      <p:pic>
-        <p:nvPicPr>
-          <p:cNvPr id="4" name="Content Placeholder 3"/>
-          <p:cNvPicPr>
-            <a:picLocks noGrp="1" noChangeAspect="1"/>
-          </p:cNvPicPr>
-          <p:nvPr>
-            <p:ph idx="1"/>
-          </p:nvPr>
-        </p:nvPicPr>
-        <p:blipFill>
-          <a:blip r:embed="rId2" cstate="print">
-            <a:extLst>
-              <a:ext uri="{28A0092B-C50C-407E-A947-70E740481C1C}">
-                <a14:useLocalDpi xmlns:a14="http://schemas.microsoft.com/office/drawing/2010/main" val="0"/>
-              </a:ext>
-            </a:extLst>
-          </a:blip>
-          <a:stretch>
-            <a:fillRect/>
-          </a:stretch>
-        </p:blipFill>
-        <p:spPr>
-          <a:xfrm>
-            <a:off x="5845024" y="295733"/>
-            <a:ext cx="4337005" cy="6286697"/>
-          </a:xfrm>
-        </p:spPr>
-      </p:pic>
-      <p:sp>
-        <p:nvSpPr>
-          <p:cNvPr id="3" name="Slide Number Placeholder 2"/>
-          <p:cNvSpPr>
-            <a:spLocks noGrp="1"/>
-          </p:cNvSpPr>
-          <p:nvPr>
-            <p:ph type="sldNum" sz="quarter" idx="12"/>
-          </p:nvPr>
-        </p:nvSpPr>
-        <p:spPr/>
-        <p:txBody>
-          <a:bodyPr/>
-          <a:lstStyle/>
-          <a:p>
-            <a:fld id="{317D4C0B-649F-4198-9367-995A719678E0}" type="slidenum">
-              <a:rPr lang="en-US" smtClean="0"/>
-              <a:t>19</a:t>
-            </a:fld>
-            <a:endParaRPr lang="en-US"/>
-          </a:p>
-        </p:txBody>
-      </p:sp>
-      <p:pic>
-        <p:nvPicPr>
-          <p:cNvPr id="5" name="Picture 4"/>
-          <p:cNvPicPr>
-            <a:picLocks noChangeAspect="1"/>
-          </p:cNvPicPr>
-          <p:nvPr/>
-        </p:nvPicPr>
-        <p:blipFill>
-          <a:blip r:embed="rId3" cstate="print">
-            <a:extLst>
-              <a:ext uri="{28A0092B-C50C-407E-A947-70E740481C1C}">
-                <a14:useLocalDpi xmlns:a14="http://schemas.microsoft.com/office/drawing/2010/main" val="0"/>
-              </a:ext>
-            </a:extLst>
-          </a:blip>
-          <a:stretch>
-            <a:fillRect/>
-          </a:stretch>
-        </p:blipFill>
-        <p:spPr>
-          <a:xfrm>
-            <a:off x="11079276" y="3"/>
-            <a:ext cx="1112729" cy="1146132"/>
-          </a:xfrm>
-          <a:prstGeom prst="rect">
-            <a:avLst/>
-          </a:prstGeom>
-        </p:spPr>
-      </p:pic>
-    </p:spTree>
-    <p:extLst>
-      <p:ext uri="{BB962C8B-B14F-4D97-AF65-F5344CB8AC3E}">
-        <p14:creationId xmlns:p14="http://schemas.microsoft.com/office/powerpoint/2010/main" val="336714547"/>
       </p:ext>
     </p:extLst>
   </p:cSld>
@@ -13368,6 +13362,167 @@
       </p:grpSpPr>
       <p:sp>
         <p:nvSpPr>
+          <p:cNvPr id="2" name="Title 1"/>
+          <p:cNvSpPr>
+            <a:spLocks noGrp="1"/>
+          </p:cNvSpPr>
+          <p:nvPr>
+            <p:ph type="title"/>
+          </p:nvPr>
+        </p:nvSpPr>
+        <p:spPr>
+          <a:xfrm>
+            <a:off x="838205" y="365125"/>
+            <a:ext cx="3996847" cy="2741331"/>
+          </a:xfrm>
+        </p:spPr>
+        <p:txBody>
+          <a:bodyPr>
+            <a:normAutofit/>
+          </a:bodyPr>
+          <a:lstStyle/>
+          <a:p>
+            <a:r>
+              <a:rPr lang="en-US" b="1" dirty="0" smtClean="0"/>
+              <a:t>Countries </a:t>
+            </a:r>
+            <a:r>
+              <a:rPr lang="en-US" b="1" dirty="0"/>
+              <a:t>Sorted by Mean Fertility Rate</a:t>
+            </a:r>
+            <a:endParaRPr lang="en-US" dirty="0"/>
+          </a:p>
+        </p:txBody>
+      </p:sp>
+      <p:pic>
+        <p:nvPicPr>
+          <p:cNvPr id="4" name="Content Placeholder 3"/>
+          <p:cNvPicPr>
+            <a:picLocks noGrp="1" noChangeAspect="1"/>
+          </p:cNvPicPr>
+          <p:nvPr>
+            <p:ph idx="1"/>
+          </p:nvPr>
+        </p:nvPicPr>
+        <p:blipFill>
+          <a:blip r:embed="rId2" cstate="print">
+            <a:extLst>
+              <a:ext uri="{28A0092B-C50C-407E-A947-70E740481C1C}">
+                <a14:useLocalDpi xmlns:a14="http://schemas.microsoft.com/office/drawing/2010/main" val="0"/>
+              </a:ext>
+            </a:extLst>
+          </a:blip>
+          <a:stretch>
+            <a:fillRect/>
+          </a:stretch>
+        </p:blipFill>
+        <p:spPr>
+          <a:xfrm>
+            <a:off x="5845024" y="295733"/>
+            <a:ext cx="4337005" cy="6286697"/>
+          </a:xfrm>
+        </p:spPr>
+      </p:pic>
+      <p:sp>
+        <p:nvSpPr>
+          <p:cNvPr id="3" name="Slide Number Placeholder 2"/>
+          <p:cNvSpPr>
+            <a:spLocks noGrp="1"/>
+          </p:cNvSpPr>
+          <p:nvPr>
+            <p:ph type="sldNum" sz="quarter" idx="12"/>
+          </p:nvPr>
+        </p:nvSpPr>
+        <p:spPr/>
+        <p:txBody>
+          <a:bodyPr/>
+          <a:lstStyle/>
+          <a:p>
+            <a:fld id="{317D4C0B-649F-4198-9367-995A719678E0}" type="slidenum">
+              <a:rPr lang="en-US" smtClean="0"/>
+              <a:t>20</a:t>
+            </a:fld>
+            <a:endParaRPr lang="en-US"/>
+          </a:p>
+        </p:txBody>
+      </p:sp>
+      <p:pic>
+        <p:nvPicPr>
+          <p:cNvPr id="5" name="Picture 4"/>
+          <p:cNvPicPr>
+            <a:picLocks noChangeAspect="1"/>
+          </p:cNvPicPr>
+          <p:nvPr/>
+        </p:nvPicPr>
+        <p:blipFill>
+          <a:blip r:embed="rId3" cstate="print">
+            <a:extLst>
+              <a:ext uri="{28A0092B-C50C-407E-A947-70E740481C1C}">
+                <a14:useLocalDpi xmlns:a14="http://schemas.microsoft.com/office/drawing/2010/main" val="0"/>
+              </a:ext>
+            </a:extLst>
+          </a:blip>
+          <a:stretch>
+            <a:fillRect/>
+          </a:stretch>
+        </p:blipFill>
+        <p:spPr>
+          <a:xfrm>
+            <a:off x="11079276" y="3"/>
+            <a:ext cx="1112729" cy="1146132"/>
+          </a:xfrm>
+          <a:prstGeom prst="rect">
+            <a:avLst/>
+          </a:prstGeom>
+        </p:spPr>
+      </p:pic>
+    </p:spTree>
+    <p:extLst>
+      <p:ext uri="{BB962C8B-B14F-4D97-AF65-F5344CB8AC3E}">
+        <p14:creationId xmlns:p14="http://schemas.microsoft.com/office/powerpoint/2010/main" val="336714547"/>
+      </p:ext>
+    </p:extLst>
+  </p:cSld>
+  <p:clrMapOvr>
+    <a:masterClrMapping/>
+  </p:clrMapOvr>
+  <mc:AlternateContent xmlns:mc="http://schemas.openxmlformats.org/markup-compatibility/2006" xmlns:p14="http://schemas.microsoft.com/office/powerpoint/2010/main">
+    <mc:Choice Requires="p14">
+      <p:transition spd="slow" p14:dur="2000"/>
+    </mc:Choice>
+    <mc:Fallback xmlns="">
+      <p:transition spd="slow"/>
+    </mc:Fallback>
+  </mc:AlternateContent>
+  <p:timing>
+    <p:tnLst>
+      <p:par>
+        <p:cTn id="1" dur="indefinite" restart="never" nodeType="tmRoot"/>
+      </p:par>
+    </p:tnLst>
+  </p:timing>
+</p:sld>
+</file>
+
+<file path=ppt/slides/slide21.xml><?xml version="1.0" encoding="utf-8"?>
+<p:sld xmlns:a="http://schemas.openxmlformats.org/drawingml/2006/main" xmlns:r="http://schemas.openxmlformats.org/officeDocument/2006/relationships" xmlns:p="http://schemas.openxmlformats.org/presentationml/2006/main">
+  <p:cSld>
+    <p:spTree>
+      <p:nvGrpSpPr>
+        <p:cNvPr id="1" name=""/>
+        <p:cNvGrpSpPr/>
+        <p:nvPr/>
+      </p:nvGrpSpPr>
+      <p:grpSpPr>
+        <a:xfrm>
+          <a:off x="0" y="0"/>
+          <a:ext cx="0" cy="0"/>
+          <a:chOff x="0" y="0"/>
+          <a:chExt cx="0" cy="0"/>
+        </a:xfrm>
+      </p:grpSpPr>
+      <p:sp>
+        <p:nvSpPr>
           <p:cNvPr id="2" name="Slide Number Placeholder 1"/>
           <p:cNvSpPr>
             <a:spLocks noGrp="1"/>
@@ -13383,7 +13538,7 @@
           <a:p>
             <a:fld id="{317D4C0B-649F-4198-9367-995A719678E0}" type="slidenum">
               <a:rPr lang="en-US" smtClean="0"/>
-              <a:t>20</a:t>
+              <a:t>21</a:t>
             </a:fld>
             <a:endParaRPr lang="en-US"/>
           </a:p>
@@ -13588,7 +13743,7 @@
 </p:sld>
 </file>
 
-<file path=ppt/slides/slide21.xml><?xml version="1.0" encoding="utf-8"?>
+<file path=ppt/slides/slide22.xml><?xml version="1.0" encoding="utf-8"?>
 <p:sld xmlns:a="http://schemas.openxmlformats.org/drawingml/2006/main" xmlns:r="http://schemas.openxmlformats.org/officeDocument/2006/relationships" xmlns:p="http://schemas.openxmlformats.org/presentationml/2006/main">
   <p:cSld>
     <p:spTree>
@@ -13678,7 +13833,7 @@
           <a:p>
             <a:fld id="{317D4C0B-649F-4198-9367-995A719678E0}" type="slidenum">
               <a:rPr lang="en-US" smtClean="0"/>
-              <a:t>21</a:t>
+              <a:t>22</a:t>
             </a:fld>
             <a:endParaRPr lang="en-US"/>
           </a:p>
@@ -13742,7 +13897,7 @@
 </p:sld>
 </file>
 
-<file path=ppt/slides/slide22.xml><?xml version="1.0" encoding="utf-8"?>
+<file path=ppt/slides/slide23.xml><?xml version="1.0" encoding="utf-8"?>
 <p:sld xmlns:a="http://schemas.openxmlformats.org/drawingml/2006/main" xmlns:r="http://schemas.openxmlformats.org/officeDocument/2006/relationships" xmlns:p="http://schemas.openxmlformats.org/presentationml/2006/main">
   <p:cSld>
     <p:spTree>
@@ -13849,7 +14004,7 @@
           <a:p>
             <a:fld id="{317D4C0B-649F-4198-9367-995A719678E0}" type="slidenum">
               <a:rPr lang="en-US" smtClean="0"/>
-              <a:t>22</a:t>
+              <a:t>23</a:t>
             </a:fld>
             <a:endParaRPr lang="en-US"/>
           </a:p>
@@ -13913,7 +14068,7 @@
 </p:sld>
 </file>
 
-<file path=ppt/slides/slide23.xml><?xml version="1.0" encoding="utf-8"?>
+<file path=ppt/slides/slide24.xml><?xml version="1.0" encoding="utf-8"?>
 <p:sld xmlns:a="http://schemas.openxmlformats.org/drawingml/2006/main" xmlns:r="http://schemas.openxmlformats.org/officeDocument/2006/relationships" xmlns:p="http://schemas.openxmlformats.org/presentationml/2006/main">
   <p:cSld>
     <p:spTree>
@@ -13970,7 +14125,7 @@
           <a:p>
             <a:fld id="{317D4C0B-649F-4198-9367-995A719678E0}" type="slidenum">
               <a:rPr lang="en-US" smtClean="0"/>
-              <a:t>23</a:t>
+              <a:t>24</a:t>
             </a:fld>
             <a:endParaRPr lang="en-US"/>
           </a:p>
@@ -14015,7 +14170,7 @@
         <p:spPr>
           <a:xfrm>
             <a:off x="1052186" y="1665962"/>
-            <a:ext cx="10138553" cy="2679836"/>
+            <a:ext cx="10138553" cy="2910540"/>
           </a:xfrm>
           <a:prstGeom prst="rect">
             <a:avLst/>
@@ -14045,7 +14200,7 @@
               </a:tabLst>
             </a:pPr>
             <a:r>
-              <a:rPr lang="en-US" dirty="0">
+              <a:rPr lang="en-US" sz="2000" dirty="0">
                 <a:solidFill>
                   <a:srgbClr val="000000"/>
                 </a:solidFill>
@@ -14056,7 +14211,7 @@
               <a:t>The National Center for Biotechnology Information advances science and health by providing access to biomedical and genomic information. (NCBI) </a:t>
             </a:r>
             <a:r>
-              <a:rPr lang="en-US" dirty="0">
+              <a:rPr lang="en-US" sz="2000" dirty="0">
                 <a:solidFill>
                   <a:srgbClr val="000000"/>
                 </a:solidFill>
@@ -14067,7 +14222,7 @@
               </a:rPr>
               <a:t>Link</a:t>
             </a:r>
-            <a:endParaRPr lang="en-US" sz="2000" dirty="0">
+            <a:endParaRPr lang="en-US" sz="2400" dirty="0">
               <a:solidFill>
                 <a:srgbClr val="000000"/>
               </a:solidFill>
@@ -14094,7 +14249,7 @@
               </a:tabLst>
             </a:pPr>
             <a:r>
-              <a:rPr lang="en-US" dirty="0" smtClean="0">
+              <a:rPr lang="en-US" sz="2000" dirty="0" smtClean="0">
                 <a:solidFill>
                   <a:srgbClr val="000000"/>
                 </a:solidFill>
@@ -14105,7 +14260,7 @@
               <a:t>Department </a:t>
             </a:r>
             <a:r>
-              <a:rPr lang="en-US" dirty="0">
+              <a:rPr lang="en-US" sz="2000" dirty="0">
                 <a:solidFill>
                   <a:srgbClr val="000000"/>
                 </a:solidFill>
@@ -14116,7 +14271,7 @@
               <a:t>of Economic and Social Affairs Population Division </a:t>
             </a:r>
             <a:r>
-              <a:rPr lang="en-US" dirty="0">
+              <a:rPr lang="en-US" sz="2000" dirty="0">
                 <a:solidFill>
                   <a:srgbClr val="000000"/>
                 </a:solidFill>
@@ -14127,7 +14282,7 @@
               </a:rPr>
               <a:t>Link</a:t>
             </a:r>
-            <a:endParaRPr lang="en-US" dirty="0">
+            <a:endParaRPr lang="en-US" sz="2000" dirty="0">
               <a:solidFill>
                 <a:srgbClr val="000000"/>
               </a:solidFill>
@@ -14154,7 +14309,7 @@
               </a:tabLst>
             </a:pPr>
             <a:r>
-              <a:rPr lang="en-US" dirty="0">
+              <a:rPr lang="en-US" sz="2000" dirty="0">
                 <a:solidFill>
                   <a:srgbClr val="000000"/>
                 </a:solidFill>
@@ -14165,7 +14320,7 @@
               <a:t>THE NEW ECONOMICS OF FERTILITY </a:t>
             </a:r>
             <a:r>
-              <a:rPr lang="en-US" dirty="0">
+              <a:rPr lang="en-US" sz="2000" dirty="0">
                 <a:solidFill>
                   <a:srgbClr val="000000"/>
                 </a:solidFill>
@@ -14176,7 +14331,7 @@
               </a:rPr>
               <a:t>Link</a:t>
             </a:r>
-            <a:endParaRPr lang="en-US" dirty="0">
+            <a:endParaRPr lang="en-US" sz="2000" dirty="0">
               <a:solidFill>
                 <a:srgbClr val="000000"/>
               </a:solidFill>
@@ -14203,7 +14358,7 @@
               </a:tabLst>
             </a:pPr>
             <a:r>
-              <a:rPr lang="en-US" dirty="0">
+              <a:rPr lang="en-US" sz="2000" dirty="0">
                 <a:solidFill>
                   <a:srgbClr val="000000"/>
                 </a:solidFill>
@@ -14214,7 +14369,7 @@
               <a:t>Our World in </a:t>
             </a:r>
             <a:r>
-              <a:rPr lang="en-US" dirty="0" smtClean="0">
+              <a:rPr lang="en-US" sz="2000" dirty="0" smtClean="0">
                 <a:solidFill>
                   <a:srgbClr val="000000"/>
                 </a:solidFill>
@@ -14225,7 +14380,7 @@
               <a:t>Data- Fertility rate </a:t>
             </a:r>
             <a:r>
-              <a:rPr lang="en-US" dirty="0" smtClean="0">
+              <a:rPr lang="en-US" sz="2000" dirty="0" smtClean="0">
                 <a:solidFill>
                   <a:srgbClr val="000000"/>
                 </a:solidFill>
@@ -14236,7 +14391,7 @@
               </a:rPr>
               <a:t>Link</a:t>
             </a:r>
-            <a:endParaRPr lang="en-US" dirty="0" smtClean="0">
+            <a:endParaRPr lang="en-US" sz="2000" dirty="0" smtClean="0">
               <a:solidFill>
                 <a:srgbClr val="000000"/>
               </a:solidFill>
@@ -14263,7 +14418,7 @@
               </a:tabLst>
             </a:pPr>
             <a:r>
-              <a:rPr lang="en-US" dirty="0" smtClean="0">
+              <a:rPr lang="en-US" sz="2000" dirty="0" smtClean="0">
                 <a:solidFill>
                   <a:srgbClr val="000000"/>
                 </a:solidFill>
@@ -14274,7 +14429,7 @@
               <a:t>Our World in Data- GDP per Capita </a:t>
             </a:r>
             <a:r>
-              <a:rPr lang="en-US" dirty="0" smtClean="0">
+              <a:rPr lang="en-US" sz="2000" dirty="0" smtClean="0">
                 <a:solidFill>
                   <a:srgbClr val="000000"/>
                 </a:solidFill>
@@ -14285,7 +14440,7 @@
               </a:rPr>
               <a:t>Link</a:t>
             </a:r>
-            <a:endParaRPr lang="en-US" dirty="0">
+            <a:endParaRPr lang="en-US" sz="2000" dirty="0" smtClean="0">
               <a:solidFill>
                 <a:srgbClr val="000000"/>
               </a:solidFill>
@@ -14295,13 +14450,10 @@
             </a:endParaRPr>
           </a:p>
           <a:p>
-            <a:pPr marL="342900" marR="0" lvl="0" indent="-342900">
+            <a:pPr marL="342900" indent="-342900">
               <a:lnSpc>
                 <a:spcPct val="107000"/>
               </a:lnSpc>
-              <a:spcBef>
-                <a:spcPts val="0"/>
-              </a:spcBef>
               <a:spcAft>
                 <a:spcPts val="800"/>
               </a:spcAft>
@@ -14312,19 +14464,18 @@
               </a:tabLst>
             </a:pPr>
             <a:r>
-              <a:rPr lang="en-US" dirty="0">
+              <a:rPr lang="en-US" sz="2000" dirty="0" smtClean="0">
                 <a:solidFill>
-                  <a:schemeClr val="bg1"/>
+                  <a:srgbClr val="000000"/>
                 </a:solidFill>
                 <a:latin typeface="Helvetica" panose="020B0604020202020204" pitchFamily="34" charset="0"/>
                 <a:ea typeface="Times New Roman" panose="02020603050405020304" pitchFamily="18" charset="0"/>
                 <a:cs typeface="Times New Roman" panose="02020603050405020304" pitchFamily="18" charset="0"/>
-                <a:hlinkClick r:id="rId8"/>
               </a:rPr>
-              <a:t>UNICEF Data: Monitoring the situation of children and women  </a:t>
-            </a:r>
-            <a:r>
-              <a:rPr lang="en-US" dirty="0">
+              <a:t>UNICEF Data Monitoring the situation of children and women </a:t>
+            </a:r>
+            <a:r>
+              <a:rPr lang="en-US" sz="2000" dirty="0">
                 <a:solidFill>
                   <a:srgbClr val="000000"/>
                 </a:solidFill>
@@ -14335,7 +14486,7 @@
               </a:rPr>
               <a:t>Link</a:t>
             </a:r>
-            <a:endParaRPr lang="en-US" dirty="0">
+            <a:endParaRPr lang="en-US" sz="2000" dirty="0">
               <a:solidFill>
                 <a:srgbClr val="000000"/>
               </a:solidFill>
@@ -14374,7 +14525,7 @@
 </p:sld>
 </file>
 
-<file path=ppt/slides/slide24.xml><?xml version="1.0" encoding="utf-8"?>
+<file path=ppt/slides/slide25.xml><?xml version="1.0" encoding="utf-8"?>
 <p:sld xmlns:a="http://schemas.openxmlformats.org/drawingml/2006/main" xmlns:r="http://schemas.openxmlformats.org/officeDocument/2006/relationships" xmlns:p="http://schemas.openxmlformats.org/presentationml/2006/main">
   <p:cSld>
     <p:spTree>
@@ -14408,7 +14559,7 @@
           <a:p>
             <a:fld id="{317D4C0B-649F-4198-9367-995A719678E0}" type="slidenum">
               <a:rPr lang="en-US" smtClean="0"/>
-              <a:t>24</a:t>
+              <a:t>25</a:t>
             </a:fld>
             <a:endParaRPr lang="en-US"/>
           </a:p>
@@ -14530,7 +14681,7 @@
       </p:pic>
       <p:pic>
         <p:nvPicPr>
-          <p:cNvPr id="7" name="Picture 6"/>
+          <p:cNvPr id="8" name="Picture 7"/>
           <p:cNvPicPr>
             <a:picLocks noChangeAspect="1"/>
           </p:cNvPicPr>
@@ -14550,8 +14701,8 @@
         </p:blipFill>
         <p:spPr>
           <a:xfrm>
-            <a:off x="1053669" y="1653437"/>
-            <a:ext cx="4301208" cy="4301208"/>
+            <a:off x="972249" y="1653437"/>
+            <a:ext cx="4244841" cy="4244841"/>
           </a:xfrm>
           <a:prstGeom prst="rect">
             <a:avLst/>
@@ -15506,7 +15657,7 @@
         </p:nvSpPr>
         <p:spPr>
           <a:xfrm>
-            <a:off x="1611724" y="1745622"/>
+            <a:off x="1229681" y="1745622"/>
             <a:ext cx="8946541" cy="4195481"/>
           </a:xfrm>
           <a:prstGeom prst="rect">
@@ -16944,16 +17095,36 @@
             </a:r>
             <a:r>
               <a:rPr lang="en-US" sz="2000" dirty="0"/>
-              <a:t>driven by factors such as poverty, social norms, and weak </a:t>
-            </a:r>
-            <a:r>
-              <a:rPr lang="en-US" sz="2000" dirty="0" smtClean="0"/>
+              <a:t>driven by factors such as </a:t>
+            </a:r>
+            <a:r>
+              <a:rPr lang="en-US" sz="2000" b="1" dirty="0"/>
+              <a:t>poverty</a:t>
+            </a:r>
+            <a:r>
+              <a:rPr lang="en-US" sz="2000" dirty="0"/>
+              <a:t>, </a:t>
+            </a:r>
+            <a:r>
+              <a:rPr lang="en-US" sz="2000" b="1" dirty="0"/>
+              <a:t>social norms</a:t>
+            </a:r>
+            <a:r>
+              <a:rPr lang="en-US" sz="2000" dirty="0"/>
+              <a:t>, and </a:t>
+            </a:r>
+            <a:r>
+              <a:rPr lang="en-US" sz="2000" b="1" dirty="0"/>
+              <a:t>weak </a:t>
+            </a:r>
+            <a:r>
+              <a:rPr lang="en-US" sz="2000" b="1" dirty="0" smtClean="0"/>
               <a:t>legal</a:t>
             </a:r>
           </a:p>
           <a:p>
             <a:r>
-              <a:rPr lang="en-US" sz="2000" dirty="0" smtClean="0"/>
+              <a:rPr lang="en-US" sz="2000" b="1" dirty="0" smtClean="0"/>
               <a:t>frameworks</a:t>
             </a:r>
             <a:r>
